--- a/Sivun sisällön asettelumalli.pptx
+++ b/Sivun sisällön asettelumalli.pptx
@@ -313,7 +313,7 @@
               <a:spcBef>
                 <a:spcPts val="0"/>
               </a:spcBef>
-              <a:buSzPct val="100000"/>
+              <a:buSzPts val="1100"/>
               <a:buChar char="●"/>
               <a:defRPr sz="1100"/>
             </a:lvl1pPr>
@@ -321,7 +321,7 @@
               <a:spcBef>
                 <a:spcPts val="0"/>
               </a:spcBef>
-              <a:buSzPct val="100000"/>
+              <a:buSzPts val="1100"/>
               <a:buChar char="○"/>
               <a:defRPr sz="1100"/>
             </a:lvl2pPr>
@@ -329,7 +329,7 @@
               <a:spcBef>
                 <a:spcPts val="0"/>
               </a:spcBef>
-              <a:buSzPct val="100000"/>
+              <a:buSzPts val="1100"/>
               <a:buChar char="■"/>
               <a:defRPr sz="1100"/>
             </a:lvl3pPr>
@@ -337,7 +337,7 @@
               <a:spcBef>
                 <a:spcPts val="0"/>
               </a:spcBef>
-              <a:buSzPct val="100000"/>
+              <a:buSzPts val="1100"/>
               <a:buChar char="●"/>
               <a:defRPr sz="1100"/>
             </a:lvl4pPr>
@@ -345,7 +345,7 @@
               <a:spcBef>
                 <a:spcPts val="0"/>
               </a:spcBef>
-              <a:buSzPct val="100000"/>
+              <a:buSzPts val="1100"/>
               <a:buChar char="○"/>
               <a:defRPr sz="1100"/>
             </a:lvl5pPr>
@@ -353,7 +353,7 @@
               <a:spcBef>
                 <a:spcPts val="0"/>
               </a:spcBef>
-              <a:buSzPct val="100000"/>
+              <a:buSzPts val="1100"/>
               <a:buChar char="■"/>
               <a:defRPr sz="1100"/>
             </a:lvl6pPr>
@@ -361,7 +361,7 @@
               <a:spcBef>
                 <a:spcPts val="0"/>
               </a:spcBef>
-              <a:buSzPct val="100000"/>
+              <a:buSzPts val="1100"/>
               <a:buChar char="●"/>
               <a:defRPr sz="1100"/>
             </a:lvl7pPr>
@@ -369,7 +369,7 @@
               <a:spcBef>
                 <a:spcPts val="0"/>
               </a:spcBef>
-              <a:buSzPct val="100000"/>
+              <a:buSzPts val="1100"/>
               <a:buChar char="○"/>
               <a:defRPr sz="1100"/>
             </a:lvl8pPr>
@@ -377,7 +377,7 @@
               <a:spcBef>
                 <a:spcPts val="0"/>
               </a:spcBef>
-              <a:buSzPct val="100000"/>
+              <a:buSzPts val="1100"/>
               <a:buChar char="■"/>
               <a:defRPr sz="1100"/>
             </a:lvl9pPr>
@@ -465,7 +465,7 @@
           </a:bodyPr>
           <a:lstStyle/>
           <a:p>
-            <a:pPr lvl="0">
+            <a:pPr indent="0" lvl="0" marL="0">
               <a:spcBef>
                 <a:spcPts val="0"/>
               </a:spcBef>
@@ -477,7 +477,7 @@
             <a:endParaRPr/>
           </a:p>
           <a:p>
-            <a:pPr lvl="0">
+            <a:pPr indent="0" lvl="0" marL="0">
               <a:spcBef>
                 <a:spcPts val="0"/>
               </a:spcBef>
@@ -489,7 +489,7 @@
             <a:endParaRPr/>
           </a:p>
           <a:p>
-            <a:pPr lvl="0">
+            <a:pPr indent="0" lvl="0" marL="0">
               <a:spcBef>
                 <a:spcPts val="0"/>
               </a:spcBef>
@@ -551,63 +551,72 @@
               <a:spcBef>
                 <a:spcPts val="0"/>
               </a:spcBef>
-              <a:buSzPct val="100000"/>
+              <a:buSzPts val="5200"/>
+              <a:buNone/>
               <a:defRPr sz="5200"/>
             </a:lvl1pPr>
             <a:lvl2pPr lvl="1" algn="ctr">
               <a:spcBef>
                 <a:spcPts val="0"/>
               </a:spcBef>
-              <a:buSzPct val="100000"/>
+              <a:buSzPts val="5200"/>
+              <a:buNone/>
               <a:defRPr sz="5200"/>
             </a:lvl2pPr>
             <a:lvl3pPr lvl="2" algn="ctr">
               <a:spcBef>
                 <a:spcPts val="0"/>
               </a:spcBef>
-              <a:buSzPct val="100000"/>
+              <a:buSzPts val="5200"/>
+              <a:buNone/>
               <a:defRPr sz="5200"/>
             </a:lvl3pPr>
             <a:lvl4pPr lvl="3" algn="ctr">
               <a:spcBef>
                 <a:spcPts val="0"/>
               </a:spcBef>
-              <a:buSzPct val="100000"/>
+              <a:buSzPts val="5200"/>
+              <a:buNone/>
               <a:defRPr sz="5200"/>
             </a:lvl4pPr>
             <a:lvl5pPr lvl="4" algn="ctr">
               <a:spcBef>
                 <a:spcPts val="0"/>
               </a:spcBef>
-              <a:buSzPct val="100000"/>
+              <a:buSzPts val="5200"/>
+              <a:buNone/>
               <a:defRPr sz="5200"/>
             </a:lvl5pPr>
             <a:lvl6pPr lvl="5" algn="ctr">
               <a:spcBef>
                 <a:spcPts val="0"/>
               </a:spcBef>
-              <a:buSzPct val="100000"/>
+              <a:buSzPts val="5200"/>
+              <a:buNone/>
               <a:defRPr sz="5200"/>
             </a:lvl6pPr>
             <a:lvl7pPr lvl="6" algn="ctr">
               <a:spcBef>
                 <a:spcPts val="0"/>
               </a:spcBef>
-              <a:buSzPct val="100000"/>
+              <a:buSzPts val="5200"/>
+              <a:buNone/>
               <a:defRPr sz="5200"/>
             </a:lvl7pPr>
             <a:lvl8pPr lvl="7" algn="ctr">
               <a:spcBef>
                 <a:spcPts val="0"/>
               </a:spcBef>
-              <a:buSzPct val="100000"/>
+              <a:buSzPts val="5200"/>
+              <a:buNone/>
               <a:defRPr sz="5200"/>
             </a:lvl8pPr>
             <a:lvl9pPr lvl="8" algn="ctr">
               <a:spcBef>
                 <a:spcPts val="0"/>
               </a:spcBef>
-              <a:buSzPct val="100000"/>
+              <a:buSzPts val="5200"/>
+              <a:buNone/>
               <a:defRPr sz="5200"/>
             </a:lvl9pPr>
           </a:lstStyle>
@@ -644,7 +653,7 @@
               <a:spcAft>
                 <a:spcPts val="0"/>
               </a:spcAft>
-              <a:buSzPct val="100000"/>
+              <a:buSzPts val="2800"/>
               <a:buNone/>
               <a:defRPr sz="2800"/>
             </a:lvl1pPr>
@@ -658,7 +667,7 @@
               <a:spcAft>
                 <a:spcPts val="0"/>
               </a:spcAft>
-              <a:buSzPct val="100000"/>
+              <a:buSzPts val="2800"/>
               <a:buNone/>
               <a:defRPr sz="2800"/>
             </a:lvl2pPr>
@@ -672,7 +681,7 @@
               <a:spcAft>
                 <a:spcPts val="0"/>
               </a:spcAft>
-              <a:buSzPct val="100000"/>
+              <a:buSzPts val="2800"/>
               <a:buNone/>
               <a:defRPr sz="2800"/>
             </a:lvl3pPr>
@@ -686,7 +695,7 @@
               <a:spcAft>
                 <a:spcPts val="0"/>
               </a:spcAft>
-              <a:buSzPct val="100000"/>
+              <a:buSzPts val="2800"/>
               <a:buNone/>
               <a:defRPr sz="2800"/>
             </a:lvl4pPr>
@@ -700,7 +709,7 @@
               <a:spcAft>
                 <a:spcPts val="0"/>
               </a:spcAft>
-              <a:buSzPct val="100000"/>
+              <a:buSzPts val="2800"/>
               <a:buNone/>
               <a:defRPr sz="2800"/>
             </a:lvl5pPr>
@@ -714,7 +723,7 @@
               <a:spcAft>
                 <a:spcPts val="0"/>
               </a:spcAft>
-              <a:buSzPct val="100000"/>
+              <a:buSzPts val="2800"/>
               <a:buNone/>
               <a:defRPr sz="2800"/>
             </a:lvl6pPr>
@@ -728,7 +737,7 @@
               <a:spcAft>
                 <a:spcPts val="0"/>
               </a:spcAft>
-              <a:buSzPct val="100000"/>
+              <a:buSzPts val="2800"/>
               <a:buNone/>
               <a:defRPr sz="2800"/>
             </a:lvl7pPr>
@@ -742,7 +751,7 @@
               <a:spcAft>
                 <a:spcPts val="0"/>
               </a:spcAft>
-              <a:buSzPct val="100000"/>
+              <a:buSzPts val="2800"/>
               <a:buNone/>
               <a:defRPr sz="2800"/>
             </a:lvl8pPr>
@@ -756,7 +765,7 @@
               <a:spcAft>
                 <a:spcPts val="0"/>
               </a:spcAft>
-              <a:buSzPct val="100000"/>
+              <a:buSzPts val="2800"/>
               <a:buNone/>
               <a:defRPr sz="2800"/>
             </a:lvl9pPr>
@@ -787,7 +796,7 @@
           </a:bodyPr>
           <a:lstStyle/>
           <a:p>
-            <a:pPr lvl="0">
+            <a:pPr indent="0" lvl="0" marL="0">
               <a:spcBef>
                 <a:spcPts val="0"/>
               </a:spcBef>
@@ -849,63 +858,72 @@
               <a:spcBef>
                 <a:spcPts val="0"/>
               </a:spcBef>
-              <a:buSzPct val="100000"/>
+              <a:buSzPts val="12000"/>
+              <a:buNone/>
               <a:defRPr sz="12000"/>
             </a:lvl1pPr>
             <a:lvl2pPr lvl="1" algn="ctr">
               <a:spcBef>
                 <a:spcPts val="0"/>
               </a:spcBef>
-              <a:buSzPct val="100000"/>
+              <a:buSzPts val="12000"/>
+              <a:buNone/>
               <a:defRPr sz="12000"/>
             </a:lvl2pPr>
             <a:lvl3pPr lvl="2" algn="ctr">
               <a:spcBef>
                 <a:spcPts val="0"/>
               </a:spcBef>
-              <a:buSzPct val="100000"/>
+              <a:buSzPts val="12000"/>
+              <a:buNone/>
               <a:defRPr sz="12000"/>
             </a:lvl3pPr>
             <a:lvl4pPr lvl="3" algn="ctr">
               <a:spcBef>
                 <a:spcPts val="0"/>
               </a:spcBef>
-              <a:buSzPct val="100000"/>
+              <a:buSzPts val="12000"/>
+              <a:buNone/>
               <a:defRPr sz="12000"/>
             </a:lvl4pPr>
             <a:lvl5pPr lvl="4" algn="ctr">
               <a:spcBef>
                 <a:spcPts val="0"/>
               </a:spcBef>
-              <a:buSzPct val="100000"/>
+              <a:buSzPts val="12000"/>
+              <a:buNone/>
               <a:defRPr sz="12000"/>
             </a:lvl5pPr>
             <a:lvl6pPr lvl="5" algn="ctr">
               <a:spcBef>
                 <a:spcPts val="0"/>
               </a:spcBef>
-              <a:buSzPct val="100000"/>
+              <a:buSzPts val="12000"/>
+              <a:buNone/>
               <a:defRPr sz="12000"/>
             </a:lvl6pPr>
             <a:lvl7pPr lvl="6" algn="ctr">
               <a:spcBef>
                 <a:spcPts val="0"/>
               </a:spcBef>
-              <a:buSzPct val="100000"/>
+              <a:buSzPts val="12000"/>
+              <a:buNone/>
               <a:defRPr sz="12000"/>
             </a:lvl7pPr>
             <a:lvl8pPr lvl="7" algn="ctr">
               <a:spcBef>
                 <a:spcPts val="0"/>
               </a:spcBef>
-              <a:buSzPct val="100000"/>
+              <a:buSzPts val="12000"/>
+              <a:buNone/>
               <a:defRPr sz="12000"/>
             </a:lvl8pPr>
             <a:lvl9pPr lvl="8" algn="ctr">
               <a:spcBef>
                 <a:spcPts val="0"/>
               </a:spcBef>
-              <a:buSzPct val="100000"/>
+              <a:buSzPts val="12000"/>
+              <a:buNone/>
               <a:defRPr sz="12000"/>
             </a:lvl9pPr>
           </a:lstStyle>
@@ -936,54 +954,72 @@
               <a:spcBef>
                 <a:spcPts val="0"/>
               </a:spcBef>
+              <a:buSzPts val="1800"/>
+              <a:buChar char="●"/>
               <a:defRPr/>
             </a:lvl1pPr>
             <a:lvl2pPr lvl="1" algn="ctr">
               <a:spcBef>
                 <a:spcPts val="0"/>
               </a:spcBef>
+              <a:buSzPts val="1400"/>
+              <a:buChar char="○"/>
               <a:defRPr/>
             </a:lvl2pPr>
             <a:lvl3pPr lvl="2" algn="ctr">
               <a:spcBef>
                 <a:spcPts val="0"/>
               </a:spcBef>
+              <a:buSzPts val="1400"/>
+              <a:buChar char="■"/>
               <a:defRPr/>
             </a:lvl3pPr>
             <a:lvl4pPr lvl="3" algn="ctr">
               <a:spcBef>
                 <a:spcPts val="0"/>
               </a:spcBef>
+              <a:buSzPts val="1400"/>
+              <a:buChar char="●"/>
               <a:defRPr/>
             </a:lvl4pPr>
             <a:lvl5pPr lvl="4" algn="ctr">
               <a:spcBef>
                 <a:spcPts val="0"/>
               </a:spcBef>
+              <a:buSzPts val="1400"/>
+              <a:buChar char="○"/>
               <a:defRPr/>
             </a:lvl5pPr>
             <a:lvl6pPr lvl="5" algn="ctr">
               <a:spcBef>
                 <a:spcPts val="0"/>
               </a:spcBef>
+              <a:buSzPts val="1400"/>
+              <a:buChar char="■"/>
               <a:defRPr/>
             </a:lvl6pPr>
             <a:lvl7pPr lvl="6" algn="ctr">
               <a:spcBef>
                 <a:spcPts val="0"/>
               </a:spcBef>
+              <a:buSzPts val="1400"/>
+              <a:buChar char="●"/>
               <a:defRPr/>
             </a:lvl7pPr>
             <a:lvl8pPr lvl="7" algn="ctr">
               <a:spcBef>
                 <a:spcPts val="0"/>
               </a:spcBef>
+              <a:buSzPts val="1400"/>
+              <a:buChar char="○"/>
               <a:defRPr/>
             </a:lvl8pPr>
             <a:lvl9pPr lvl="8" algn="ctr">
               <a:spcBef>
                 <a:spcPts val="0"/>
               </a:spcBef>
+              <a:buSzPts val="1400"/>
+              <a:buChar char="■"/>
               <a:defRPr/>
             </a:lvl9pPr>
           </a:lstStyle>
@@ -1013,7 +1049,7 @@
           </a:bodyPr>
           <a:lstStyle/>
           <a:p>
-            <a:pPr lvl="0">
+            <a:pPr indent="0" lvl="0" marL="0">
               <a:spcBef>
                 <a:spcPts val="0"/>
               </a:spcBef>
@@ -1074,7 +1110,7 @@
           </a:bodyPr>
           <a:lstStyle/>
           <a:p>
-            <a:pPr lvl="0">
+            <a:pPr indent="0" lvl="0" marL="0">
               <a:spcBef>
                 <a:spcPts val="0"/>
               </a:spcBef>
@@ -1136,63 +1172,72 @@
               <a:spcBef>
                 <a:spcPts val="0"/>
               </a:spcBef>
-              <a:buSzPct val="100000"/>
+              <a:buSzPts val="3600"/>
+              <a:buNone/>
               <a:defRPr sz="3600"/>
             </a:lvl1pPr>
             <a:lvl2pPr lvl="1" algn="ctr">
               <a:spcBef>
                 <a:spcPts val="0"/>
               </a:spcBef>
-              <a:buSzPct val="100000"/>
+              <a:buSzPts val="3600"/>
+              <a:buNone/>
               <a:defRPr sz="3600"/>
             </a:lvl2pPr>
             <a:lvl3pPr lvl="2" algn="ctr">
               <a:spcBef>
                 <a:spcPts val="0"/>
               </a:spcBef>
-              <a:buSzPct val="100000"/>
+              <a:buSzPts val="3600"/>
+              <a:buNone/>
               <a:defRPr sz="3600"/>
             </a:lvl3pPr>
             <a:lvl4pPr lvl="3" algn="ctr">
               <a:spcBef>
                 <a:spcPts val="0"/>
               </a:spcBef>
-              <a:buSzPct val="100000"/>
+              <a:buSzPts val="3600"/>
+              <a:buNone/>
               <a:defRPr sz="3600"/>
             </a:lvl4pPr>
             <a:lvl5pPr lvl="4" algn="ctr">
               <a:spcBef>
                 <a:spcPts val="0"/>
               </a:spcBef>
-              <a:buSzPct val="100000"/>
+              <a:buSzPts val="3600"/>
+              <a:buNone/>
               <a:defRPr sz="3600"/>
             </a:lvl5pPr>
             <a:lvl6pPr lvl="5" algn="ctr">
               <a:spcBef>
                 <a:spcPts val="0"/>
               </a:spcBef>
-              <a:buSzPct val="100000"/>
+              <a:buSzPts val="3600"/>
+              <a:buNone/>
               <a:defRPr sz="3600"/>
             </a:lvl6pPr>
             <a:lvl7pPr lvl="6" algn="ctr">
               <a:spcBef>
                 <a:spcPts val="0"/>
               </a:spcBef>
-              <a:buSzPct val="100000"/>
+              <a:buSzPts val="3600"/>
+              <a:buNone/>
               <a:defRPr sz="3600"/>
             </a:lvl7pPr>
             <a:lvl8pPr lvl="7" algn="ctr">
               <a:spcBef>
                 <a:spcPts val="0"/>
               </a:spcBef>
-              <a:buSzPct val="100000"/>
+              <a:buSzPts val="3600"/>
+              <a:buNone/>
               <a:defRPr sz="3600"/>
             </a:lvl8pPr>
             <a:lvl9pPr lvl="8" algn="ctr">
               <a:spcBef>
                 <a:spcPts val="0"/>
               </a:spcBef>
-              <a:buSzPct val="100000"/>
+              <a:buSzPts val="3600"/>
+              <a:buNone/>
               <a:defRPr sz="3600"/>
             </a:lvl9pPr>
           </a:lstStyle>
@@ -1222,7 +1267,7 @@
           </a:bodyPr>
           <a:lstStyle/>
           <a:p>
-            <a:pPr lvl="0">
+            <a:pPr indent="0" lvl="0" marL="0">
               <a:spcBef>
                 <a:spcPts val="0"/>
               </a:spcBef>
@@ -1284,54 +1329,72 @@
               <a:spcBef>
                 <a:spcPts val="0"/>
               </a:spcBef>
+              <a:buSzPts val="2800"/>
+              <a:buNone/>
               <a:defRPr/>
             </a:lvl1pPr>
             <a:lvl2pPr lvl="1">
               <a:spcBef>
                 <a:spcPts val="0"/>
               </a:spcBef>
+              <a:buSzPts val="2800"/>
+              <a:buNone/>
               <a:defRPr/>
             </a:lvl2pPr>
             <a:lvl3pPr lvl="2">
               <a:spcBef>
                 <a:spcPts val="0"/>
               </a:spcBef>
+              <a:buSzPts val="2800"/>
+              <a:buNone/>
               <a:defRPr/>
             </a:lvl3pPr>
             <a:lvl4pPr lvl="3">
               <a:spcBef>
                 <a:spcPts val="0"/>
               </a:spcBef>
+              <a:buSzPts val="2800"/>
+              <a:buNone/>
               <a:defRPr/>
             </a:lvl4pPr>
             <a:lvl5pPr lvl="4">
               <a:spcBef>
                 <a:spcPts val="0"/>
               </a:spcBef>
+              <a:buSzPts val="2800"/>
+              <a:buNone/>
               <a:defRPr/>
             </a:lvl5pPr>
             <a:lvl6pPr lvl="5">
               <a:spcBef>
                 <a:spcPts val="0"/>
               </a:spcBef>
+              <a:buSzPts val="2800"/>
+              <a:buNone/>
               <a:defRPr/>
             </a:lvl6pPr>
             <a:lvl7pPr lvl="6">
               <a:spcBef>
                 <a:spcPts val="0"/>
               </a:spcBef>
+              <a:buSzPts val="2800"/>
+              <a:buNone/>
               <a:defRPr/>
             </a:lvl7pPr>
             <a:lvl8pPr lvl="7">
               <a:spcBef>
                 <a:spcPts val="0"/>
               </a:spcBef>
+              <a:buSzPts val="2800"/>
+              <a:buNone/>
               <a:defRPr/>
             </a:lvl8pPr>
             <a:lvl9pPr lvl="8">
               <a:spcBef>
                 <a:spcPts val="0"/>
               </a:spcBef>
+              <a:buSzPts val="2800"/>
+              <a:buNone/>
               <a:defRPr/>
             </a:lvl9pPr>
           </a:lstStyle>
@@ -1362,54 +1425,72 @@
               <a:spcBef>
                 <a:spcPts val="0"/>
               </a:spcBef>
+              <a:buSzPts val="1800"/>
+              <a:buChar char="●"/>
               <a:defRPr/>
             </a:lvl1pPr>
             <a:lvl2pPr lvl="1">
               <a:spcBef>
                 <a:spcPts val="0"/>
               </a:spcBef>
+              <a:buSzPts val="1400"/>
+              <a:buChar char="○"/>
               <a:defRPr/>
             </a:lvl2pPr>
             <a:lvl3pPr lvl="2">
               <a:spcBef>
                 <a:spcPts val="0"/>
               </a:spcBef>
+              <a:buSzPts val="1400"/>
+              <a:buChar char="■"/>
               <a:defRPr/>
             </a:lvl3pPr>
             <a:lvl4pPr lvl="3">
               <a:spcBef>
                 <a:spcPts val="0"/>
               </a:spcBef>
+              <a:buSzPts val="1400"/>
+              <a:buChar char="●"/>
               <a:defRPr/>
             </a:lvl4pPr>
             <a:lvl5pPr lvl="4">
               <a:spcBef>
                 <a:spcPts val="0"/>
               </a:spcBef>
+              <a:buSzPts val="1400"/>
+              <a:buChar char="○"/>
               <a:defRPr/>
             </a:lvl5pPr>
             <a:lvl6pPr lvl="5">
               <a:spcBef>
                 <a:spcPts val="0"/>
               </a:spcBef>
+              <a:buSzPts val="1400"/>
+              <a:buChar char="■"/>
               <a:defRPr/>
             </a:lvl6pPr>
             <a:lvl7pPr lvl="6">
               <a:spcBef>
                 <a:spcPts val="0"/>
               </a:spcBef>
+              <a:buSzPts val="1400"/>
+              <a:buChar char="●"/>
               <a:defRPr/>
             </a:lvl7pPr>
             <a:lvl8pPr lvl="7">
               <a:spcBef>
                 <a:spcPts val="0"/>
               </a:spcBef>
+              <a:buSzPts val="1400"/>
+              <a:buChar char="○"/>
               <a:defRPr/>
             </a:lvl8pPr>
             <a:lvl9pPr lvl="8">
               <a:spcBef>
                 <a:spcPts val="0"/>
               </a:spcBef>
+              <a:buSzPts val="1400"/>
+              <a:buChar char="■"/>
               <a:defRPr/>
             </a:lvl9pPr>
           </a:lstStyle>
@@ -1439,7 +1520,7 @@
           </a:bodyPr>
           <a:lstStyle/>
           <a:p>
-            <a:pPr lvl="0">
+            <a:pPr indent="0" lvl="0" marL="0">
               <a:spcBef>
                 <a:spcPts val="0"/>
               </a:spcBef>
@@ -1501,54 +1582,72 @@
               <a:spcBef>
                 <a:spcPts val="0"/>
               </a:spcBef>
+              <a:buSzPts val="2800"/>
+              <a:buNone/>
               <a:defRPr/>
             </a:lvl1pPr>
             <a:lvl2pPr lvl="1">
               <a:spcBef>
                 <a:spcPts val="0"/>
               </a:spcBef>
+              <a:buSzPts val="2800"/>
+              <a:buNone/>
               <a:defRPr/>
             </a:lvl2pPr>
             <a:lvl3pPr lvl="2">
               <a:spcBef>
                 <a:spcPts val="0"/>
               </a:spcBef>
+              <a:buSzPts val="2800"/>
+              <a:buNone/>
               <a:defRPr/>
             </a:lvl3pPr>
             <a:lvl4pPr lvl="3">
               <a:spcBef>
                 <a:spcPts val="0"/>
               </a:spcBef>
+              <a:buSzPts val="2800"/>
+              <a:buNone/>
               <a:defRPr/>
             </a:lvl4pPr>
             <a:lvl5pPr lvl="4">
               <a:spcBef>
                 <a:spcPts val="0"/>
               </a:spcBef>
+              <a:buSzPts val="2800"/>
+              <a:buNone/>
               <a:defRPr/>
             </a:lvl5pPr>
             <a:lvl6pPr lvl="5">
               <a:spcBef>
                 <a:spcPts val="0"/>
               </a:spcBef>
+              <a:buSzPts val="2800"/>
+              <a:buNone/>
               <a:defRPr/>
             </a:lvl6pPr>
             <a:lvl7pPr lvl="6">
               <a:spcBef>
                 <a:spcPts val="0"/>
               </a:spcBef>
+              <a:buSzPts val="2800"/>
+              <a:buNone/>
               <a:defRPr/>
             </a:lvl7pPr>
             <a:lvl8pPr lvl="7">
               <a:spcBef>
                 <a:spcPts val="0"/>
               </a:spcBef>
+              <a:buSzPts val="2800"/>
+              <a:buNone/>
               <a:defRPr/>
             </a:lvl8pPr>
             <a:lvl9pPr lvl="8">
               <a:spcBef>
                 <a:spcPts val="0"/>
               </a:spcBef>
+              <a:buSzPts val="2800"/>
+              <a:buNone/>
               <a:defRPr/>
             </a:lvl9pPr>
           </a:lstStyle>
@@ -1579,63 +1678,72 @@
               <a:spcBef>
                 <a:spcPts val="0"/>
               </a:spcBef>
-              <a:buSzPct val="100000"/>
+              <a:buSzPts val="1400"/>
+              <a:buChar char="●"/>
               <a:defRPr sz="1400"/>
             </a:lvl1pPr>
             <a:lvl2pPr lvl="1">
               <a:spcBef>
                 <a:spcPts val="0"/>
               </a:spcBef>
-              <a:buSzPct val="100000"/>
+              <a:buSzPts val="1200"/>
+              <a:buChar char="○"/>
               <a:defRPr sz="1200"/>
             </a:lvl2pPr>
             <a:lvl3pPr lvl="2">
               <a:spcBef>
                 <a:spcPts val="0"/>
               </a:spcBef>
-              <a:buSzPct val="100000"/>
+              <a:buSzPts val="1200"/>
+              <a:buChar char="■"/>
               <a:defRPr sz="1200"/>
             </a:lvl3pPr>
             <a:lvl4pPr lvl="3">
               <a:spcBef>
                 <a:spcPts val="0"/>
               </a:spcBef>
-              <a:buSzPct val="100000"/>
+              <a:buSzPts val="1200"/>
+              <a:buChar char="●"/>
               <a:defRPr sz="1200"/>
             </a:lvl4pPr>
             <a:lvl5pPr lvl="4">
               <a:spcBef>
                 <a:spcPts val="0"/>
               </a:spcBef>
-              <a:buSzPct val="100000"/>
+              <a:buSzPts val="1200"/>
+              <a:buChar char="○"/>
               <a:defRPr sz="1200"/>
             </a:lvl5pPr>
             <a:lvl6pPr lvl="5">
               <a:spcBef>
                 <a:spcPts val="0"/>
               </a:spcBef>
-              <a:buSzPct val="100000"/>
+              <a:buSzPts val="1200"/>
+              <a:buChar char="■"/>
               <a:defRPr sz="1200"/>
             </a:lvl6pPr>
             <a:lvl7pPr lvl="6">
               <a:spcBef>
                 <a:spcPts val="0"/>
               </a:spcBef>
-              <a:buSzPct val="100000"/>
+              <a:buSzPts val="1200"/>
+              <a:buChar char="●"/>
               <a:defRPr sz="1200"/>
             </a:lvl7pPr>
             <a:lvl8pPr lvl="7">
               <a:spcBef>
                 <a:spcPts val="0"/>
               </a:spcBef>
-              <a:buSzPct val="100000"/>
+              <a:buSzPts val="1200"/>
+              <a:buChar char="○"/>
               <a:defRPr sz="1200"/>
             </a:lvl8pPr>
             <a:lvl9pPr lvl="8">
               <a:spcBef>
                 <a:spcPts val="0"/>
               </a:spcBef>
-              <a:buSzPct val="100000"/>
+              <a:buSzPts val="1200"/>
+              <a:buChar char="■"/>
               <a:defRPr sz="1200"/>
             </a:lvl9pPr>
           </a:lstStyle>
@@ -1666,63 +1774,72 @@
               <a:spcBef>
                 <a:spcPts val="0"/>
               </a:spcBef>
-              <a:buSzPct val="100000"/>
+              <a:buSzPts val="1400"/>
+              <a:buChar char="●"/>
               <a:defRPr sz="1400"/>
             </a:lvl1pPr>
             <a:lvl2pPr lvl="1">
               <a:spcBef>
                 <a:spcPts val="0"/>
               </a:spcBef>
-              <a:buSzPct val="100000"/>
+              <a:buSzPts val="1200"/>
+              <a:buChar char="○"/>
               <a:defRPr sz="1200"/>
             </a:lvl2pPr>
             <a:lvl3pPr lvl="2">
               <a:spcBef>
                 <a:spcPts val="0"/>
               </a:spcBef>
-              <a:buSzPct val="100000"/>
+              <a:buSzPts val="1200"/>
+              <a:buChar char="■"/>
               <a:defRPr sz="1200"/>
             </a:lvl3pPr>
             <a:lvl4pPr lvl="3">
               <a:spcBef>
                 <a:spcPts val="0"/>
               </a:spcBef>
-              <a:buSzPct val="100000"/>
+              <a:buSzPts val="1200"/>
+              <a:buChar char="●"/>
               <a:defRPr sz="1200"/>
             </a:lvl4pPr>
             <a:lvl5pPr lvl="4">
               <a:spcBef>
                 <a:spcPts val="0"/>
               </a:spcBef>
-              <a:buSzPct val="100000"/>
+              <a:buSzPts val="1200"/>
+              <a:buChar char="○"/>
               <a:defRPr sz="1200"/>
             </a:lvl5pPr>
             <a:lvl6pPr lvl="5">
               <a:spcBef>
                 <a:spcPts val="0"/>
               </a:spcBef>
-              <a:buSzPct val="100000"/>
+              <a:buSzPts val="1200"/>
+              <a:buChar char="■"/>
               <a:defRPr sz="1200"/>
             </a:lvl6pPr>
             <a:lvl7pPr lvl="6">
               <a:spcBef>
                 <a:spcPts val="0"/>
               </a:spcBef>
-              <a:buSzPct val="100000"/>
+              <a:buSzPts val="1200"/>
+              <a:buChar char="●"/>
               <a:defRPr sz="1200"/>
             </a:lvl7pPr>
             <a:lvl8pPr lvl="7">
               <a:spcBef>
                 <a:spcPts val="0"/>
               </a:spcBef>
-              <a:buSzPct val="100000"/>
+              <a:buSzPts val="1200"/>
+              <a:buChar char="○"/>
               <a:defRPr sz="1200"/>
             </a:lvl8pPr>
             <a:lvl9pPr lvl="8">
               <a:spcBef>
                 <a:spcPts val="0"/>
               </a:spcBef>
-              <a:buSzPct val="100000"/>
+              <a:buSzPts val="1200"/>
+              <a:buChar char="■"/>
               <a:defRPr sz="1200"/>
             </a:lvl9pPr>
           </a:lstStyle>
@@ -1752,7 +1869,7 @@
           </a:bodyPr>
           <a:lstStyle/>
           <a:p>
-            <a:pPr lvl="0">
+            <a:pPr indent="0" lvl="0" marL="0">
               <a:spcBef>
                 <a:spcPts val="0"/>
               </a:spcBef>
@@ -1814,54 +1931,72 @@
               <a:spcBef>
                 <a:spcPts val="0"/>
               </a:spcBef>
+              <a:buSzPts val="2800"/>
+              <a:buNone/>
               <a:defRPr/>
             </a:lvl1pPr>
             <a:lvl2pPr lvl="1">
               <a:spcBef>
                 <a:spcPts val="0"/>
               </a:spcBef>
+              <a:buSzPts val="2800"/>
+              <a:buNone/>
               <a:defRPr/>
             </a:lvl2pPr>
             <a:lvl3pPr lvl="2">
               <a:spcBef>
                 <a:spcPts val="0"/>
               </a:spcBef>
+              <a:buSzPts val="2800"/>
+              <a:buNone/>
               <a:defRPr/>
             </a:lvl3pPr>
             <a:lvl4pPr lvl="3">
               <a:spcBef>
                 <a:spcPts val="0"/>
               </a:spcBef>
+              <a:buSzPts val="2800"/>
+              <a:buNone/>
               <a:defRPr/>
             </a:lvl4pPr>
             <a:lvl5pPr lvl="4">
               <a:spcBef>
                 <a:spcPts val="0"/>
               </a:spcBef>
+              <a:buSzPts val="2800"/>
+              <a:buNone/>
               <a:defRPr/>
             </a:lvl5pPr>
             <a:lvl6pPr lvl="5">
               <a:spcBef>
                 <a:spcPts val="0"/>
               </a:spcBef>
+              <a:buSzPts val="2800"/>
+              <a:buNone/>
               <a:defRPr/>
             </a:lvl6pPr>
             <a:lvl7pPr lvl="6">
               <a:spcBef>
                 <a:spcPts val="0"/>
               </a:spcBef>
+              <a:buSzPts val="2800"/>
+              <a:buNone/>
               <a:defRPr/>
             </a:lvl7pPr>
             <a:lvl8pPr lvl="7">
               <a:spcBef>
                 <a:spcPts val="0"/>
               </a:spcBef>
+              <a:buSzPts val="2800"/>
+              <a:buNone/>
               <a:defRPr/>
             </a:lvl8pPr>
             <a:lvl9pPr lvl="8">
               <a:spcBef>
                 <a:spcPts val="0"/>
               </a:spcBef>
+              <a:buSzPts val="2800"/>
+              <a:buNone/>
               <a:defRPr/>
             </a:lvl9pPr>
           </a:lstStyle>
@@ -1891,7 +2026,7 @@
           </a:bodyPr>
           <a:lstStyle/>
           <a:p>
-            <a:pPr lvl="0">
+            <a:pPr indent="0" lvl="0" marL="0">
               <a:spcBef>
                 <a:spcPts val="0"/>
               </a:spcBef>
@@ -1953,63 +2088,72 @@
               <a:spcBef>
                 <a:spcPts val="0"/>
               </a:spcBef>
-              <a:buSzPct val="100000"/>
+              <a:buSzPts val="2400"/>
+              <a:buNone/>
               <a:defRPr sz="2400"/>
             </a:lvl1pPr>
             <a:lvl2pPr lvl="1">
               <a:spcBef>
                 <a:spcPts val="0"/>
               </a:spcBef>
-              <a:buSzPct val="100000"/>
+              <a:buSzPts val="2400"/>
+              <a:buNone/>
               <a:defRPr sz="2400"/>
             </a:lvl2pPr>
             <a:lvl3pPr lvl="2">
               <a:spcBef>
                 <a:spcPts val="0"/>
               </a:spcBef>
-              <a:buSzPct val="100000"/>
+              <a:buSzPts val="2400"/>
+              <a:buNone/>
               <a:defRPr sz="2400"/>
             </a:lvl3pPr>
             <a:lvl4pPr lvl="3">
               <a:spcBef>
                 <a:spcPts val="0"/>
               </a:spcBef>
-              <a:buSzPct val="100000"/>
+              <a:buSzPts val="2400"/>
+              <a:buNone/>
               <a:defRPr sz="2400"/>
             </a:lvl4pPr>
             <a:lvl5pPr lvl="4">
               <a:spcBef>
                 <a:spcPts val="0"/>
               </a:spcBef>
-              <a:buSzPct val="100000"/>
+              <a:buSzPts val="2400"/>
+              <a:buNone/>
               <a:defRPr sz="2400"/>
             </a:lvl5pPr>
             <a:lvl6pPr lvl="5">
               <a:spcBef>
                 <a:spcPts val="0"/>
               </a:spcBef>
-              <a:buSzPct val="100000"/>
+              <a:buSzPts val="2400"/>
+              <a:buNone/>
               <a:defRPr sz="2400"/>
             </a:lvl6pPr>
             <a:lvl7pPr lvl="6">
               <a:spcBef>
                 <a:spcPts val="0"/>
               </a:spcBef>
-              <a:buSzPct val="100000"/>
+              <a:buSzPts val="2400"/>
+              <a:buNone/>
               <a:defRPr sz="2400"/>
             </a:lvl7pPr>
             <a:lvl8pPr lvl="7">
               <a:spcBef>
                 <a:spcPts val="0"/>
               </a:spcBef>
-              <a:buSzPct val="100000"/>
+              <a:buSzPts val="2400"/>
+              <a:buNone/>
               <a:defRPr sz="2400"/>
             </a:lvl8pPr>
             <a:lvl9pPr lvl="8">
               <a:spcBef>
                 <a:spcPts val="0"/>
               </a:spcBef>
-              <a:buSzPct val="100000"/>
+              <a:buSzPts val="2400"/>
+              <a:buNone/>
               <a:defRPr sz="2400"/>
             </a:lvl9pPr>
           </a:lstStyle>
@@ -2040,63 +2184,72 @@
               <a:spcBef>
                 <a:spcPts val="0"/>
               </a:spcBef>
-              <a:buSzPct val="100000"/>
+              <a:buSzPts val="1200"/>
+              <a:buChar char="●"/>
               <a:defRPr sz="1200"/>
             </a:lvl1pPr>
             <a:lvl2pPr lvl="1">
               <a:spcBef>
                 <a:spcPts val="0"/>
               </a:spcBef>
-              <a:buSzPct val="100000"/>
+              <a:buSzPts val="1200"/>
+              <a:buChar char="○"/>
               <a:defRPr sz="1200"/>
             </a:lvl2pPr>
             <a:lvl3pPr lvl="2">
               <a:spcBef>
                 <a:spcPts val="0"/>
               </a:spcBef>
-              <a:buSzPct val="100000"/>
+              <a:buSzPts val="1200"/>
+              <a:buChar char="■"/>
               <a:defRPr sz="1200"/>
             </a:lvl3pPr>
             <a:lvl4pPr lvl="3">
               <a:spcBef>
                 <a:spcPts val="0"/>
               </a:spcBef>
-              <a:buSzPct val="100000"/>
+              <a:buSzPts val="1200"/>
+              <a:buChar char="●"/>
               <a:defRPr sz="1200"/>
             </a:lvl4pPr>
             <a:lvl5pPr lvl="4">
               <a:spcBef>
                 <a:spcPts val="0"/>
               </a:spcBef>
-              <a:buSzPct val="100000"/>
+              <a:buSzPts val="1200"/>
+              <a:buChar char="○"/>
               <a:defRPr sz="1200"/>
             </a:lvl5pPr>
             <a:lvl6pPr lvl="5">
               <a:spcBef>
                 <a:spcPts val="0"/>
               </a:spcBef>
-              <a:buSzPct val="100000"/>
+              <a:buSzPts val="1200"/>
+              <a:buChar char="■"/>
               <a:defRPr sz="1200"/>
             </a:lvl6pPr>
             <a:lvl7pPr lvl="6">
               <a:spcBef>
                 <a:spcPts val="0"/>
               </a:spcBef>
-              <a:buSzPct val="100000"/>
+              <a:buSzPts val="1200"/>
+              <a:buChar char="●"/>
               <a:defRPr sz="1200"/>
             </a:lvl7pPr>
             <a:lvl8pPr lvl="7">
               <a:spcBef>
                 <a:spcPts val="0"/>
               </a:spcBef>
-              <a:buSzPct val="100000"/>
+              <a:buSzPts val="1200"/>
+              <a:buChar char="○"/>
               <a:defRPr sz="1200"/>
             </a:lvl8pPr>
             <a:lvl9pPr lvl="8">
               <a:spcBef>
                 <a:spcPts val="0"/>
               </a:spcBef>
-              <a:buSzPct val="100000"/>
+              <a:buSzPts val="1200"/>
+              <a:buChar char="■"/>
               <a:defRPr sz="1200"/>
             </a:lvl9pPr>
           </a:lstStyle>
@@ -2126,7 +2279,7 @@
           </a:bodyPr>
           <a:lstStyle/>
           <a:p>
-            <a:pPr lvl="0">
+            <a:pPr indent="0" lvl="0" marL="0">
               <a:spcBef>
                 <a:spcPts val="0"/>
               </a:spcBef>
@@ -2188,63 +2341,72 @@
               <a:spcBef>
                 <a:spcPts val="0"/>
               </a:spcBef>
-              <a:buSzPct val="100000"/>
+              <a:buSzPts val="4800"/>
+              <a:buNone/>
               <a:defRPr sz="4800"/>
             </a:lvl1pPr>
             <a:lvl2pPr lvl="1">
               <a:spcBef>
                 <a:spcPts val="0"/>
               </a:spcBef>
-              <a:buSzPct val="100000"/>
+              <a:buSzPts val="4800"/>
+              <a:buNone/>
               <a:defRPr sz="4800"/>
             </a:lvl2pPr>
             <a:lvl3pPr lvl="2">
               <a:spcBef>
                 <a:spcPts val="0"/>
               </a:spcBef>
-              <a:buSzPct val="100000"/>
+              <a:buSzPts val="4800"/>
+              <a:buNone/>
               <a:defRPr sz="4800"/>
             </a:lvl3pPr>
             <a:lvl4pPr lvl="3">
               <a:spcBef>
                 <a:spcPts val="0"/>
               </a:spcBef>
-              <a:buSzPct val="100000"/>
+              <a:buSzPts val="4800"/>
+              <a:buNone/>
               <a:defRPr sz="4800"/>
             </a:lvl4pPr>
             <a:lvl5pPr lvl="4">
               <a:spcBef>
                 <a:spcPts val="0"/>
               </a:spcBef>
-              <a:buSzPct val="100000"/>
+              <a:buSzPts val="4800"/>
+              <a:buNone/>
               <a:defRPr sz="4800"/>
             </a:lvl5pPr>
             <a:lvl6pPr lvl="5">
               <a:spcBef>
                 <a:spcPts val="0"/>
               </a:spcBef>
-              <a:buSzPct val="100000"/>
+              <a:buSzPts val="4800"/>
+              <a:buNone/>
               <a:defRPr sz="4800"/>
             </a:lvl6pPr>
             <a:lvl7pPr lvl="6">
               <a:spcBef>
                 <a:spcPts val="0"/>
               </a:spcBef>
-              <a:buSzPct val="100000"/>
+              <a:buSzPts val="4800"/>
+              <a:buNone/>
               <a:defRPr sz="4800"/>
             </a:lvl7pPr>
             <a:lvl8pPr lvl="7">
               <a:spcBef>
                 <a:spcPts val="0"/>
               </a:spcBef>
-              <a:buSzPct val="100000"/>
+              <a:buSzPts val="4800"/>
+              <a:buNone/>
               <a:defRPr sz="4800"/>
             </a:lvl8pPr>
             <a:lvl9pPr lvl="8">
               <a:spcBef>
                 <a:spcPts val="0"/>
               </a:spcBef>
-              <a:buSzPct val="100000"/>
+              <a:buSzPts val="4800"/>
+              <a:buNone/>
               <a:defRPr sz="4800"/>
             </a:lvl9pPr>
           </a:lstStyle>
@@ -2274,7 +2436,7 @@
           </a:bodyPr>
           <a:lstStyle/>
           <a:p>
-            <a:pPr lvl="0">
+            <a:pPr indent="0" lvl="0" marL="0">
               <a:spcBef>
                 <a:spcPts val="0"/>
               </a:spcBef>
@@ -2339,7 +2501,7 @@
           </a:bodyPr>
           <a:lstStyle/>
           <a:p>
-            <a:pPr lvl="0">
+            <a:pPr indent="0" lvl="0" marL="0">
               <a:spcBef>
                 <a:spcPts val="0"/>
               </a:spcBef>
@@ -2376,63 +2538,72 @@
               <a:spcBef>
                 <a:spcPts val="0"/>
               </a:spcBef>
-              <a:buSzPct val="100000"/>
+              <a:buSzPts val="4200"/>
+              <a:buNone/>
               <a:defRPr sz="4200"/>
             </a:lvl1pPr>
             <a:lvl2pPr lvl="1" algn="ctr">
               <a:spcBef>
                 <a:spcPts val="0"/>
               </a:spcBef>
-              <a:buSzPct val="100000"/>
+              <a:buSzPts val="4200"/>
+              <a:buNone/>
               <a:defRPr sz="4200"/>
             </a:lvl2pPr>
             <a:lvl3pPr lvl="2" algn="ctr">
               <a:spcBef>
                 <a:spcPts val="0"/>
               </a:spcBef>
-              <a:buSzPct val="100000"/>
+              <a:buSzPts val="4200"/>
+              <a:buNone/>
               <a:defRPr sz="4200"/>
             </a:lvl3pPr>
             <a:lvl4pPr lvl="3" algn="ctr">
               <a:spcBef>
                 <a:spcPts val="0"/>
               </a:spcBef>
-              <a:buSzPct val="100000"/>
+              <a:buSzPts val="4200"/>
+              <a:buNone/>
               <a:defRPr sz="4200"/>
             </a:lvl4pPr>
             <a:lvl5pPr lvl="4" algn="ctr">
               <a:spcBef>
                 <a:spcPts val="0"/>
               </a:spcBef>
-              <a:buSzPct val="100000"/>
+              <a:buSzPts val="4200"/>
+              <a:buNone/>
               <a:defRPr sz="4200"/>
             </a:lvl5pPr>
             <a:lvl6pPr lvl="5" algn="ctr">
               <a:spcBef>
                 <a:spcPts val="0"/>
               </a:spcBef>
-              <a:buSzPct val="100000"/>
+              <a:buSzPts val="4200"/>
+              <a:buNone/>
               <a:defRPr sz="4200"/>
             </a:lvl6pPr>
             <a:lvl7pPr lvl="6" algn="ctr">
               <a:spcBef>
                 <a:spcPts val="0"/>
               </a:spcBef>
-              <a:buSzPct val="100000"/>
+              <a:buSzPts val="4200"/>
+              <a:buNone/>
               <a:defRPr sz="4200"/>
             </a:lvl7pPr>
             <a:lvl8pPr lvl="7" algn="ctr">
               <a:spcBef>
                 <a:spcPts val="0"/>
               </a:spcBef>
-              <a:buSzPct val="100000"/>
+              <a:buSzPts val="4200"/>
+              <a:buNone/>
               <a:defRPr sz="4200"/>
             </a:lvl8pPr>
             <a:lvl9pPr lvl="8" algn="ctr">
               <a:spcBef>
                 <a:spcPts val="0"/>
               </a:spcBef>
-              <a:buSzPct val="100000"/>
+              <a:buSzPts val="4200"/>
+              <a:buNone/>
               <a:defRPr sz="4200"/>
             </a:lvl9pPr>
           </a:lstStyle>
@@ -2469,7 +2640,7 @@
               <a:spcAft>
                 <a:spcPts val="0"/>
               </a:spcAft>
-              <a:buSzPct val="100000"/>
+              <a:buSzPts val="2100"/>
               <a:buNone/>
               <a:defRPr sz="2100"/>
             </a:lvl1pPr>
@@ -2483,7 +2654,7 @@
               <a:spcAft>
                 <a:spcPts val="0"/>
               </a:spcAft>
-              <a:buSzPct val="100000"/>
+              <a:buSzPts val="2100"/>
               <a:buNone/>
               <a:defRPr sz="2100"/>
             </a:lvl2pPr>
@@ -2497,7 +2668,7 @@
               <a:spcAft>
                 <a:spcPts val="0"/>
               </a:spcAft>
-              <a:buSzPct val="100000"/>
+              <a:buSzPts val="2100"/>
               <a:buNone/>
               <a:defRPr sz="2100"/>
             </a:lvl3pPr>
@@ -2511,7 +2682,7 @@
               <a:spcAft>
                 <a:spcPts val="0"/>
               </a:spcAft>
-              <a:buSzPct val="100000"/>
+              <a:buSzPts val="2100"/>
               <a:buNone/>
               <a:defRPr sz="2100"/>
             </a:lvl4pPr>
@@ -2525,7 +2696,7 @@
               <a:spcAft>
                 <a:spcPts val="0"/>
               </a:spcAft>
-              <a:buSzPct val="100000"/>
+              <a:buSzPts val="2100"/>
               <a:buNone/>
               <a:defRPr sz="2100"/>
             </a:lvl5pPr>
@@ -2539,7 +2710,7 @@
               <a:spcAft>
                 <a:spcPts val="0"/>
               </a:spcAft>
-              <a:buSzPct val="100000"/>
+              <a:buSzPts val="2100"/>
               <a:buNone/>
               <a:defRPr sz="2100"/>
             </a:lvl6pPr>
@@ -2553,7 +2724,7 @@
               <a:spcAft>
                 <a:spcPts val="0"/>
               </a:spcAft>
-              <a:buSzPct val="100000"/>
+              <a:buSzPts val="2100"/>
               <a:buNone/>
               <a:defRPr sz="2100"/>
             </a:lvl7pPr>
@@ -2567,7 +2738,7 @@
               <a:spcAft>
                 <a:spcPts val="0"/>
               </a:spcAft>
-              <a:buSzPct val="100000"/>
+              <a:buSzPts val="2100"/>
               <a:buNone/>
               <a:defRPr sz="2100"/>
             </a:lvl8pPr>
@@ -2581,7 +2752,7 @@
               <a:spcAft>
                 <a:spcPts val="0"/>
               </a:spcAft>
-              <a:buSzPct val="100000"/>
+              <a:buSzPts val="2100"/>
               <a:buNone/>
               <a:defRPr sz="2100"/>
             </a:lvl9pPr>
@@ -2613,54 +2784,72 @@
               <a:spcBef>
                 <a:spcPts val="0"/>
               </a:spcBef>
+              <a:buSzPts val="1800"/>
+              <a:buChar char="●"/>
               <a:defRPr/>
             </a:lvl1pPr>
             <a:lvl2pPr lvl="1">
               <a:spcBef>
                 <a:spcPts val="0"/>
               </a:spcBef>
+              <a:buSzPts val="1400"/>
+              <a:buChar char="○"/>
               <a:defRPr/>
             </a:lvl2pPr>
             <a:lvl3pPr lvl="2">
               <a:spcBef>
                 <a:spcPts val="0"/>
               </a:spcBef>
+              <a:buSzPts val="1400"/>
+              <a:buChar char="■"/>
               <a:defRPr/>
             </a:lvl3pPr>
             <a:lvl4pPr lvl="3">
               <a:spcBef>
                 <a:spcPts val="0"/>
               </a:spcBef>
+              <a:buSzPts val="1400"/>
+              <a:buChar char="●"/>
               <a:defRPr/>
             </a:lvl4pPr>
             <a:lvl5pPr lvl="4">
               <a:spcBef>
                 <a:spcPts val="0"/>
               </a:spcBef>
+              <a:buSzPts val="1400"/>
+              <a:buChar char="○"/>
               <a:defRPr/>
             </a:lvl5pPr>
             <a:lvl6pPr lvl="5">
               <a:spcBef>
                 <a:spcPts val="0"/>
               </a:spcBef>
+              <a:buSzPts val="1400"/>
+              <a:buChar char="■"/>
               <a:defRPr/>
             </a:lvl6pPr>
             <a:lvl7pPr lvl="6">
               <a:spcBef>
                 <a:spcPts val="0"/>
               </a:spcBef>
+              <a:buSzPts val="1400"/>
+              <a:buChar char="●"/>
               <a:defRPr/>
             </a:lvl7pPr>
             <a:lvl8pPr lvl="7">
               <a:spcBef>
                 <a:spcPts val="0"/>
               </a:spcBef>
+              <a:buSzPts val="1400"/>
+              <a:buChar char="○"/>
               <a:defRPr/>
             </a:lvl8pPr>
             <a:lvl9pPr lvl="8">
               <a:spcBef>
                 <a:spcPts val="0"/>
               </a:spcBef>
+              <a:buSzPts val="1400"/>
+              <a:buChar char="■"/>
               <a:defRPr/>
             </a:lvl9pPr>
           </a:lstStyle>
@@ -2690,7 +2879,7 @@
           </a:bodyPr>
           <a:lstStyle/>
           <a:p>
-            <a:pPr lvl="0">
+            <a:pPr indent="0" lvl="0" marL="0">
               <a:spcBef>
                 <a:spcPts val="0"/>
               </a:spcBef>
@@ -2758,6 +2947,7 @@
               <a:spcAft>
                 <a:spcPts val="0"/>
               </a:spcAft>
+              <a:buSzPts val="1800"/>
               <a:buNone/>
               <a:defRPr/>
             </a:lvl1pPr>
@@ -2788,7 +2978,7 @@
           </a:bodyPr>
           <a:lstStyle/>
           <a:p>
-            <a:pPr lvl="0">
+            <a:pPr indent="0" lvl="0" marL="0">
               <a:spcBef>
                 <a:spcPts val="0"/>
               </a:spcBef>
@@ -2864,7 +3054,7 @@
               <a:buClr>
                 <a:schemeClr val="dk1"/>
               </a:buClr>
-              <a:buSzPct val="100000"/>
+              <a:buSzPts val="2800"/>
               <a:buNone/>
               <a:defRPr sz="2800">
                 <a:solidFill>
@@ -2879,7 +3069,7 @@
               <a:buClr>
                 <a:schemeClr val="dk1"/>
               </a:buClr>
-              <a:buSzPct val="100000"/>
+              <a:buSzPts val="2800"/>
               <a:buNone/>
               <a:defRPr sz="2800">
                 <a:solidFill>
@@ -2894,7 +3084,7 @@
               <a:buClr>
                 <a:schemeClr val="dk1"/>
               </a:buClr>
-              <a:buSzPct val="100000"/>
+              <a:buSzPts val="2800"/>
               <a:buNone/>
               <a:defRPr sz="2800">
                 <a:solidFill>
@@ -2909,7 +3099,7 @@
               <a:buClr>
                 <a:schemeClr val="dk1"/>
               </a:buClr>
-              <a:buSzPct val="100000"/>
+              <a:buSzPts val="2800"/>
               <a:buNone/>
               <a:defRPr sz="2800">
                 <a:solidFill>
@@ -2924,7 +3114,7 @@
               <a:buClr>
                 <a:schemeClr val="dk1"/>
               </a:buClr>
-              <a:buSzPct val="100000"/>
+              <a:buSzPts val="2800"/>
               <a:buNone/>
               <a:defRPr sz="2800">
                 <a:solidFill>
@@ -2939,7 +3129,7 @@
               <a:buClr>
                 <a:schemeClr val="dk1"/>
               </a:buClr>
-              <a:buSzPct val="100000"/>
+              <a:buSzPts val="2800"/>
               <a:buNone/>
               <a:defRPr sz="2800">
                 <a:solidFill>
@@ -2954,7 +3144,7 @@
               <a:buClr>
                 <a:schemeClr val="dk1"/>
               </a:buClr>
-              <a:buSzPct val="100000"/>
+              <a:buSzPts val="2800"/>
               <a:buNone/>
               <a:defRPr sz="2800">
                 <a:solidFill>
@@ -2969,7 +3159,7 @@
               <a:buClr>
                 <a:schemeClr val="dk1"/>
               </a:buClr>
-              <a:buSzPct val="100000"/>
+              <a:buSzPts val="2800"/>
               <a:buNone/>
               <a:defRPr sz="2800">
                 <a:solidFill>
@@ -2984,7 +3174,7 @@
               <a:buClr>
                 <a:schemeClr val="dk1"/>
               </a:buClr>
-              <a:buSzPct val="100000"/>
+              <a:buSzPts val="2800"/>
               <a:buNone/>
               <a:defRPr sz="2800">
                 <a:solidFill>
@@ -3033,7 +3223,7 @@
               <a:buClr>
                 <a:schemeClr val="dk2"/>
               </a:buClr>
-              <a:buSzPct val="100000"/>
+              <a:buSzPts val="1800"/>
               <a:buChar char="●"/>
               <a:defRPr sz="1800">
                 <a:solidFill>
@@ -3054,6 +3244,7 @@
               <a:buClr>
                 <a:schemeClr val="dk2"/>
               </a:buClr>
+              <a:buSzPts val="1400"/>
               <a:buChar char="○"/>
               <a:defRPr>
                 <a:solidFill>
@@ -3074,6 +3265,7 @@
               <a:buClr>
                 <a:schemeClr val="dk2"/>
               </a:buClr>
+              <a:buSzPts val="1400"/>
               <a:buChar char="■"/>
               <a:defRPr>
                 <a:solidFill>
@@ -3094,6 +3286,7 @@
               <a:buClr>
                 <a:schemeClr val="dk2"/>
               </a:buClr>
+              <a:buSzPts val="1400"/>
               <a:buChar char="●"/>
               <a:defRPr>
                 <a:solidFill>
@@ -3114,6 +3307,7 @@
               <a:buClr>
                 <a:schemeClr val="dk2"/>
               </a:buClr>
+              <a:buSzPts val="1400"/>
               <a:buChar char="○"/>
               <a:defRPr>
                 <a:solidFill>
@@ -3134,6 +3328,7 @@
               <a:buClr>
                 <a:schemeClr val="dk2"/>
               </a:buClr>
+              <a:buSzPts val="1400"/>
               <a:buChar char="■"/>
               <a:defRPr>
                 <a:solidFill>
@@ -3154,6 +3349,7 @@
               <a:buClr>
                 <a:schemeClr val="dk2"/>
               </a:buClr>
+              <a:buSzPts val="1400"/>
               <a:buChar char="●"/>
               <a:defRPr>
                 <a:solidFill>
@@ -3174,6 +3370,7 @@
               <a:buClr>
                 <a:schemeClr val="dk2"/>
               </a:buClr>
+              <a:buSzPts val="1400"/>
               <a:buChar char="○"/>
               <a:defRPr>
                 <a:solidFill>
@@ -3194,6 +3391,7 @@
               <a:buClr>
                 <a:schemeClr val="dk2"/>
               </a:buClr>
+              <a:buSzPts val="1400"/>
               <a:buChar char="■"/>
               <a:defRPr>
                 <a:solidFill>
@@ -3232,7 +3430,7 @@
           </a:bodyPr>
           <a:lstStyle/>
           <a:p>
-            <a:pPr lvl="0" algn="r">
+            <a:pPr indent="0" lvl="0" marL="0" algn="r">
               <a:spcBef>
                 <a:spcPts val="0"/>
               </a:spcBef>
@@ -3789,7 +3987,7 @@
           </a:bodyPr>
           <a:lstStyle/>
           <a:p>
-            <a:pPr lvl="0" rtl="0" algn="ctr">
+            <a:pPr indent="0" lvl="0" marL="0" rtl="0" algn="ctr">
               <a:spcBef>
                 <a:spcPts val="200"/>
               </a:spcBef>
@@ -3865,7 +4063,7 @@
           </a:bodyPr>
           <a:lstStyle/>
           <a:p>
-            <a:pPr lvl="0" rtl="0" algn="ctr">
+            <a:pPr indent="0" lvl="0" marL="0" rtl="0" algn="ctr">
               <a:spcBef>
                 <a:spcPts val="0"/>
               </a:spcBef>
@@ -3936,7 +4134,7 @@
           </a:bodyPr>
           <a:lstStyle/>
           <a:p>
-            <a:pPr lvl="0" rtl="0" algn="ctr">
+            <a:pPr indent="0" lvl="0" marL="0" rtl="0" algn="ctr">
               <a:spcBef>
                 <a:spcPts val="0"/>
               </a:spcBef>
@@ -3980,7 +4178,7 @@
           </a:bodyPr>
           <a:lstStyle/>
           <a:p>
-            <a:pPr lvl="0" rtl="0" algn="ctr">
+            <a:pPr indent="0" lvl="0" marL="0" rtl="0" algn="ctr">
               <a:lnSpc>
                 <a:spcPct val="115000"/>
               </a:lnSpc>
@@ -4002,7 +4200,7 @@
             </a:r>
           </a:p>
           <a:p>
-            <a:pPr lvl="0" rtl="0" algn="r">
+            <a:pPr indent="0" lvl="0" marL="0" rtl="0" algn="r">
               <a:lnSpc>
                 <a:spcPct val="115000"/>
               </a:lnSpc>
@@ -4056,7 +4254,7 @@
           </a:bodyPr>
           <a:lstStyle/>
           <a:p>
-            <a:pPr lvl="0" rtl="0" algn="ctr">
+            <a:pPr indent="0" lvl="0" marL="0" rtl="0" algn="ctr">
               <a:spcBef>
                 <a:spcPts val="0"/>
               </a:spcBef>
@@ -4096,7 +4294,7 @@
           </a:bodyPr>
           <a:lstStyle/>
           <a:p>
-            <a:pPr lvl="0">
+            <a:pPr indent="0" lvl="0" marL="0">
               <a:spcBef>
                 <a:spcPts val="0"/>
               </a:spcBef>
@@ -4140,7 +4338,7 @@
           </a:bodyPr>
           <a:lstStyle/>
           <a:p>
-            <a:pPr lvl="0" rtl="0" algn="ctr">
+            <a:pPr indent="0" lvl="0" marL="0" rtl="0" algn="ctr">
               <a:spcBef>
                 <a:spcPts val="0"/>
               </a:spcBef>
@@ -4184,7 +4382,7 @@
           </a:bodyPr>
           <a:lstStyle/>
           <a:p>
-            <a:pPr lvl="0">
+            <a:pPr indent="0" lvl="0" marL="0">
               <a:spcBef>
                 <a:spcPts val="0"/>
               </a:spcBef>
@@ -4224,7 +4422,7 @@
           </a:bodyPr>
           <a:lstStyle/>
           <a:p>
-            <a:pPr lvl="0" rtl="0">
+            <a:pPr indent="0" lvl="0" marL="0" rtl="0">
               <a:spcBef>
                 <a:spcPts val="0"/>
               </a:spcBef>
@@ -4268,7 +4466,7 @@
           </a:bodyPr>
           <a:lstStyle/>
           <a:p>
-            <a:pPr lvl="0" rtl="0" algn="ctr">
+            <a:pPr indent="0" lvl="0" marL="0" rtl="0" algn="ctr">
               <a:spcBef>
                 <a:spcPts val="0"/>
               </a:spcBef>
@@ -4312,7 +4510,7 @@
           </a:bodyPr>
           <a:lstStyle/>
           <a:p>
-            <a:pPr lvl="0" rtl="0" algn="ctr">
+            <a:pPr indent="0" lvl="0" marL="0" rtl="0" algn="ctr">
               <a:lnSpc>
                 <a:spcPct val="115000"/>
               </a:lnSpc>
@@ -4399,7 +4597,7 @@
           </a:bodyPr>
           <a:lstStyle/>
           <a:p>
-            <a:pPr lvl="0" rtl="0" algn="ctr">
+            <a:pPr indent="0" lvl="0" marL="0" rtl="0" algn="ctr">
               <a:spcBef>
                 <a:spcPts val="0"/>
               </a:spcBef>
@@ -4470,7 +4668,7 @@
           </a:bodyPr>
           <a:lstStyle/>
           <a:p>
-            <a:pPr lvl="0" rtl="0" algn="ctr">
+            <a:pPr indent="0" lvl="0" marL="0" rtl="0" algn="ctr">
               <a:spcBef>
                 <a:spcPts val="0"/>
               </a:spcBef>
@@ -4516,7 +4714,7 @@
           </a:bodyPr>
           <a:lstStyle/>
           <a:p>
-            <a:pPr lvl="0" rtl="0" algn="ctr">
+            <a:pPr indent="0" lvl="0" marL="0" rtl="0" algn="ctr">
               <a:spcBef>
                 <a:spcPts val="0"/>
               </a:spcBef>
@@ -4560,7 +4758,7 @@
           </a:bodyPr>
           <a:lstStyle/>
           <a:p>
-            <a:pPr lvl="0" rtl="0" algn="ctr">
+            <a:pPr indent="0" lvl="0" marL="0" rtl="0" algn="ctr">
               <a:spcBef>
                 <a:spcPts val="0"/>
               </a:spcBef>
@@ -4604,7 +4802,7 @@
           </a:bodyPr>
           <a:lstStyle/>
           <a:p>
-            <a:pPr lvl="0" rtl="0" algn="ctr">
+            <a:pPr indent="0" lvl="0" marL="0" rtl="0" algn="ctr">
               <a:spcBef>
                 <a:spcPts val="0"/>
               </a:spcBef>
@@ -4648,7 +4846,7 @@
           </a:bodyPr>
           <a:lstStyle/>
           <a:p>
-            <a:pPr lvl="0" rtl="0" algn="ctr">
+            <a:pPr indent="0" lvl="0" marL="0" rtl="0" algn="ctr">
               <a:lnSpc>
                 <a:spcPct val="115000"/>
               </a:lnSpc>
@@ -4670,7 +4868,7 @@
             </a:r>
           </a:p>
           <a:p>
-            <a:pPr lvl="0" rtl="0" algn="r">
+            <a:pPr indent="0" lvl="0" marL="0" rtl="0" algn="r">
               <a:lnSpc>
                 <a:spcPct val="115000"/>
               </a:lnSpc>
@@ -4724,7 +4922,7 @@
           </a:bodyPr>
           <a:lstStyle/>
           <a:p>
-            <a:pPr lvl="0" rtl="0" algn="ctr">
+            <a:pPr indent="0" lvl="0" marL="0" rtl="0" algn="ctr">
               <a:spcBef>
                 <a:spcPts val="0"/>
               </a:spcBef>
@@ -4768,7 +4966,7 @@
           </a:bodyPr>
           <a:lstStyle/>
           <a:p>
-            <a:pPr lvl="0">
+            <a:pPr indent="0" lvl="0" marL="0">
               <a:spcBef>
                 <a:spcPts val="0"/>
               </a:spcBef>
@@ -4812,7 +5010,7 @@
           </a:bodyPr>
           <a:lstStyle/>
           <a:p>
-            <a:pPr lvl="0" rtl="0" algn="ctr">
+            <a:pPr indent="0" lvl="0" marL="0" rtl="0" algn="ctr">
               <a:lnSpc>
                 <a:spcPct val="115000"/>
               </a:lnSpc>
@@ -4834,7 +5032,7 @@
             </a:r>
           </a:p>
           <a:p>
-            <a:pPr lvl="0" rtl="0" algn="r">
+            <a:pPr indent="0" lvl="0" marL="0" rtl="0" algn="r">
               <a:lnSpc>
                 <a:spcPct val="115000"/>
               </a:lnSpc>
@@ -4888,7 +5086,7 @@
           </a:bodyPr>
           <a:lstStyle/>
           <a:p>
-            <a:pPr lvl="0" rtl="0" algn="ctr">
+            <a:pPr indent="0" lvl="0" marL="0" rtl="0" algn="ctr">
               <a:spcBef>
                 <a:spcPts val="0"/>
               </a:spcBef>
@@ -4932,7 +5130,7 @@
           </a:bodyPr>
           <a:lstStyle/>
           <a:p>
-            <a:pPr lvl="0">
+            <a:pPr indent="0" lvl="0" marL="0">
               <a:spcBef>
                 <a:spcPts val="0"/>
               </a:spcBef>
@@ -4976,7 +5174,7 @@
           </a:bodyPr>
           <a:lstStyle/>
           <a:p>
-            <a:pPr lvl="0" rtl="0" algn="ctr">
+            <a:pPr indent="0" lvl="0" marL="0" rtl="0" algn="ctr">
               <a:lnSpc>
                 <a:spcPct val="115000"/>
               </a:lnSpc>
@@ -5030,7 +5228,7 @@
           </a:bodyPr>
           <a:lstStyle/>
           <a:p>
-            <a:pPr lvl="0" rtl="0" algn="ctr">
+            <a:pPr indent="0" lvl="0" marL="0" rtl="0" algn="ctr">
               <a:spcBef>
                 <a:spcPts val="0"/>
               </a:spcBef>
@@ -5074,7 +5272,7 @@
           </a:bodyPr>
           <a:lstStyle/>
           <a:p>
-            <a:pPr lvl="0">
+            <a:pPr indent="0" lvl="0" marL="0">
               <a:spcBef>
                 <a:spcPts val="0"/>
               </a:spcBef>
@@ -5096,6 +5294,285 @@
 </file>
 
 <file path=ppt/theme/theme1.xml><?xml version="1.0" encoding="utf-8"?>
+<a:theme xmlns:a="http://schemas.openxmlformats.org/drawingml/2006/main" xmlns:r="http://schemas.openxmlformats.org/officeDocument/2006/relationships" name="Simple Light">
+  <a:themeElements>
+    <a:clrScheme name="Simple Light">
+      <a:dk1>
+        <a:srgbClr val="000000"/>
+      </a:dk1>
+      <a:lt1>
+        <a:srgbClr val="FFFFFF"/>
+      </a:lt1>
+      <a:dk2>
+        <a:srgbClr val="595959"/>
+      </a:dk2>
+      <a:lt2>
+        <a:srgbClr val="EEEEEE"/>
+      </a:lt2>
+      <a:accent1>
+        <a:srgbClr val="FFAB40"/>
+      </a:accent1>
+      <a:accent2>
+        <a:srgbClr val="212121"/>
+      </a:accent2>
+      <a:accent3>
+        <a:srgbClr val="78909C"/>
+      </a:accent3>
+      <a:accent4>
+        <a:srgbClr val="FFAB40"/>
+      </a:accent4>
+      <a:accent5>
+        <a:srgbClr val="0097A7"/>
+      </a:accent5>
+      <a:accent6>
+        <a:srgbClr val="EEFF41"/>
+      </a:accent6>
+      <a:hlink>
+        <a:srgbClr val="0097A7"/>
+      </a:hlink>
+      <a:folHlink>
+        <a:srgbClr val="0097A7"/>
+      </a:folHlink>
+    </a:clrScheme>
+    <a:fontScheme name="Office">
+      <a:majorFont>
+        <a:latin typeface="Arial"/>
+        <a:ea typeface=""/>
+        <a:cs typeface=""/>
+        <a:font script="Jpan" typeface="ＭＳ Ｐゴシック"/>
+        <a:font script="Hang" typeface="맑은 고딕"/>
+        <a:font script="Hans" typeface="宋体"/>
+        <a:font script="Hant" typeface="新細明體"/>
+        <a:font script="Arab" typeface="Times New Roman"/>
+        <a:font script="Hebr" typeface="Times New Roman"/>
+        <a:font script="Thai" typeface="Angsana New"/>
+        <a:font script="Ethi" typeface="Nyala"/>
+        <a:font script="Beng" typeface="Vrinda"/>
+        <a:font script="Gujr" typeface="Shruti"/>
+        <a:font script="Khmr" typeface="MoolBoran"/>
+        <a:font script="Knda" typeface="Tunga"/>
+        <a:font script="Guru" typeface="Raavi"/>
+        <a:font script="Cans" typeface="Euphemia"/>
+        <a:font script="Cher" typeface="Plantagenet Cherokee"/>
+        <a:font script="Yiii" typeface="Microsoft Yi Baiti"/>
+        <a:font script="Tibt" typeface="Microsoft Himalaya"/>
+        <a:font script="Thaa" typeface="MV Boli"/>
+        <a:font script="Deva" typeface="Mangal"/>
+        <a:font script="Telu" typeface="Gautami"/>
+        <a:font script="Taml" typeface="Latha"/>
+        <a:font script="Syrc" typeface="Estrangelo Edessa"/>
+        <a:font script="Orya" typeface="Kalinga"/>
+        <a:font script="Mlym" typeface="Kartika"/>
+        <a:font script="Laoo" typeface="DokChampa"/>
+        <a:font script="Sinh" typeface="Iskoola Pota"/>
+        <a:font script="Mong" typeface="Mongolian Baiti"/>
+        <a:font script="Viet" typeface="Times New Roman"/>
+        <a:font script="Uigh" typeface="Microsoft Uighur"/>
+        <a:font script="Geor" typeface="Sylfaen"/>
+      </a:majorFont>
+      <a:minorFont>
+        <a:latin typeface="Arial"/>
+        <a:ea typeface=""/>
+        <a:cs typeface=""/>
+        <a:font script="Jpan" typeface="ＭＳ Ｐゴシック"/>
+        <a:font script="Hang" typeface="맑은 고딕"/>
+        <a:font script="Hans" typeface="宋体"/>
+        <a:font script="Hant" typeface="新細明體"/>
+        <a:font script="Arab" typeface="Arial"/>
+        <a:font script="Hebr" typeface="Arial"/>
+        <a:font script="Thai" typeface="Cordia New"/>
+        <a:font script="Ethi" typeface="Nyala"/>
+        <a:font script="Beng" typeface="Vrinda"/>
+        <a:font script="Gujr" typeface="Shruti"/>
+        <a:font script="Khmr" typeface="DaunPenh"/>
+        <a:font script="Knda" typeface="Tunga"/>
+        <a:font script="Guru" typeface="Raavi"/>
+        <a:font script="Cans" typeface="Euphemia"/>
+        <a:font script="Cher" typeface="Plantagenet Cherokee"/>
+        <a:font script="Yiii" typeface="Microsoft Yi Baiti"/>
+        <a:font script="Tibt" typeface="Microsoft Himalaya"/>
+        <a:font script="Thaa" typeface="MV Boli"/>
+        <a:font script="Deva" typeface="Mangal"/>
+        <a:font script="Telu" typeface="Gautami"/>
+        <a:font script="Taml" typeface="Latha"/>
+        <a:font script="Syrc" typeface="Estrangelo Edessa"/>
+        <a:font script="Orya" typeface="Kalinga"/>
+        <a:font script="Mlym" typeface="Kartika"/>
+        <a:font script="Laoo" typeface="DokChampa"/>
+        <a:font script="Sinh" typeface="Iskoola Pota"/>
+        <a:font script="Mong" typeface="Mongolian Baiti"/>
+        <a:font script="Viet" typeface="Arial"/>
+        <a:font script="Uigh" typeface="Microsoft Uighur"/>
+        <a:font script="Geor" typeface="Sylfaen"/>
+      </a:minorFont>
+    </a:fontScheme>
+    <a:fmtScheme name="Office">
+      <a:fillStyleLst>
+        <a:solidFill>
+          <a:schemeClr val="phClr"/>
+        </a:solidFill>
+        <a:gradFill rotWithShape="1">
+          <a:gsLst>
+            <a:gs pos="0">
+              <a:schemeClr val="phClr">
+                <a:tint val="50000"/>
+                <a:satMod val="300000"/>
+              </a:schemeClr>
+            </a:gs>
+            <a:gs pos="35000">
+              <a:schemeClr val="phClr">
+                <a:tint val="37000"/>
+                <a:satMod val="300000"/>
+              </a:schemeClr>
+            </a:gs>
+            <a:gs pos="100000">
+              <a:schemeClr val="phClr">
+                <a:tint val="15000"/>
+                <a:satMod val="350000"/>
+              </a:schemeClr>
+            </a:gs>
+          </a:gsLst>
+          <a:lin ang="16200000" scaled="1"/>
+        </a:gradFill>
+        <a:gradFill rotWithShape="1">
+          <a:gsLst>
+            <a:gs pos="0">
+              <a:schemeClr val="phClr">
+                <a:tint val="100000"/>
+                <a:shade val="100000"/>
+                <a:satMod val="130000"/>
+              </a:schemeClr>
+            </a:gs>
+            <a:gs pos="100000">
+              <a:schemeClr val="phClr">
+                <a:tint val="50000"/>
+                <a:shade val="100000"/>
+                <a:satMod val="350000"/>
+              </a:schemeClr>
+            </a:gs>
+          </a:gsLst>
+          <a:lin ang="16200000" scaled="0"/>
+        </a:gradFill>
+      </a:fillStyleLst>
+      <a:lnStyleLst>
+        <a:ln w="9525" cap="flat" cmpd="sng" algn="ctr">
+          <a:solidFill>
+            <a:schemeClr val="phClr">
+              <a:shade val="95000"/>
+              <a:satMod val="105000"/>
+            </a:schemeClr>
+          </a:solidFill>
+          <a:prstDash val="solid"/>
+        </a:ln>
+        <a:ln w="25400" cap="flat" cmpd="sng" algn="ctr">
+          <a:solidFill>
+            <a:schemeClr val="phClr"/>
+          </a:solidFill>
+          <a:prstDash val="solid"/>
+        </a:ln>
+        <a:ln w="38100" cap="flat" cmpd="sng" algn="ctr">
+          <a:solidFill>
+            <a:schemeClr val="phClr"/>
+          </a:solidFill>
+          <a:prstDash val="solid"/>
+        </a:ln>
+      </a:lnStyleLst>
+      <a:effectStyleLst>
+        <a:effectStyle>
+          <a:effectLst>
+            <a:outerShdw blurRad="40000" dist="20000" dir="5400000" rotWithShape="0">
+              <a:srgbClr val="000000">
+                <a:alpha val="38000"/>
+              </a:srgbClr>
+            </a:outerShdw>
+          </a:effectLst>
+        </a:effectStyle>
+        <a:effectStyle>
+          <a:effectLst>
+            <a:outerShdw blurRad="40000" dist="23000" dir="5400000" rotWithShape="0">
+              <a:srgbClr val="000000">
+                <a:alpha val="35000"/>
+              </a:srgbClr>
+            </a:outerShdw>
+          </a:effectLst>
+        </a:effectStyle>
+        <a:effectStyle>
+          <a:effectLst>
+            <a:outerShdw blurRad="40000" dist="23000" dir="5400000" rotWithShape="0">
+              <a:srgbClr val="000000">
+                <a:alpha val="35000"/>
+              </a:srgbClr>
+            </a:outerShdw>
+          </a:effectLst>
+          <a:scene3d>
+            <a:camera prst="orthographicFront">
+              <a:rot lat="0" lon="0" rev="0"/>
+            </a:camera>
+            <a:lightRig rig="threePt" dir="t">
+              <a:rot lat="0" lon="0" rev="1200000"/>
+            </a:lightRig>
+          </a:scene3d>
+          <a:sp3d>
+            <a:bevelT w="63500" h="25400"/>
+          </a:sp3d>
+        </a:effectStyle>
+      </a:effectStyleLst>
+      <a:bgFillStyleLst>
+        <a:solidFill>
+          <a:schemeClr val="phClr"/>
+        </a:solidFill>
+        <a:gradFill rotWithShape="1">
+          <a:gsLst>
+            <a:gs pos="0">
+              <a:schemeClr val="phClr">
+                <a:tint val="40000"/>
+                <a:satMod val="350000"/>
+              </a:schemeClr>
+            </a:gs>
+            <a:gs pos="40000">
+              <a:schemeClr val="phClr">
+                <a:tint val="45000"/>
+                <a:shade val="99000"/>
+                <a:satMod val="350000"/>
+              </a:schemeClr>
+            </a:gs>
+            <a:gs pos="100000">
+              <a:schemeClr val="phClr">
+                <a:shade val="20000"/>
+                <a:satMod val="255000"/>
+              </a:schemeClr>
+            </a:gs>
+          </a:gsLst>
+          <a:path path="circle">
+            <a:fillToRect l="50000" t="-80000" r="50000" b="180000"/>
+          </a:path>
+        </a:gradFill>
+        <a:gradFill rotWithShape="1">
+          <a:gsLst>
+            <a:gs pos="0">
+              <a:schemeClr val="phClr">
+                <a:tint val="80000"/>
+                <a:satMod val="300000"/>
+              </a:schemeClr>
+            </a:gs>
+            <a:gs pos="100000">
+              <a:schemeClr val="phClr">
+                <a:shade val="30000"/>
+                <a:satMod val="200000"/>
+              </a:schemeClr>
+            </a:gs>
+          </a:gsLst>
+          <a:path path="circle">
+            <a:fillToRect l="50000" t="50000" r="50000" b="50000"/>
+          </a:path>
+        </a:gradFill>
+      </a:bgFillStyleLst>
+    </a:fmtScheme>
+  </a:themeElements>
+</a:theme>
+</file>
+
+<file path=ppt/theme/theme2.xml><?xml version="1.0" encoding="utf-8"?>
 <a:theme xmlns:a="http://schemas.openxmlformats.org/drawingml/2006/main" xmlns:r="http://schemas.openxmlformats.org/officeDocument/2006/relationships" name="Custom Theme">
   <a:themeElements>
     <a:clrScheme name="Default">
@@ -5372,283 +5849,4 @@
     </a:fmtScheme>
   </a:themeElements>
 </a:theme>
-</file>
-
-<file path=ppt/theme/theme2.xml><?xml version="1.0" encoding="utf-8"?>
-<a:theme xmlns:a="http://schemas.openxmlformats.org/drawingml/2006/main" xmlns:r="http://schemas.openxmlformats.org/officeDocument/2006/relationships" name="Simple Light">
-  <a:themeElements>
-    <a:clrScheme name="Simple Light">
-      <a:dk1>
-        <a:srgbClr val="000000"/>
-      </a:dk1>
-      <a:lt1>
-        <a:srgbClr val="FFFFFF"/>
-      </a:lt1>
-      <a:dk2>
-        <a:srgbClr val="595959"/>
-      </a:dk2>
-      <a:lt2>
-        <a:srgbClr val="EEEEEE"/>
-      </a:lt2>
-      <a:accent1>
-        <a:srgbClr val="FFAB40"/>
-      </a:accent1>
-      <a:accent2>
-        <a:srgbClr val="212121"/>
-      </a:accent2>
-      <a:accent3>
-        <a:srgbClr val="78909C"/>
-      </a:accent3>
-      <a:accent4>
-        <a:srgbClr val="FFAB40"/>
-      </a:accent4>
-      <a:accent5>
-        <a:srgbClr val="0097A7"/>
-      </a:accent5>
-      <a:accent6>
-        <a:srgbClr val="EEFF41"/>
-      </a:accent6>
-      <a:hlink>
-        <a:srgbClr val="0097A7"/>
-      </a:hlink>
-      <a:folHlink>
-        <a:srgbClr val="0097A7"/>
-      </a:folHlink>
-    </a:clrScheme>
-    <a:fontScheme name="Office">
-      <a:majorFont>
-        <a:latin typeface="Arial"/>
-        <a:ea typeface=""/>
-        <a:cs typeface=""/>
-        <a:font script="Jpan" typeface="ＭＳ Ｐゴシック"/>
-        <a:font script="Hang" typeface="맑은 고딕"/>
-        <a:font script="Hans" typeface="宋体"/>
-        <a:font script="Hant" typeface="新細明體"/>
-        <a:font script="Arab" typeface="Times New Roman"/>
-        <a:font script="Hebr" typeface="Times New Roman"/>
-        <a:font script="Thai" typeface="Angsana New"/>
-        <a:font script="Ethi" typeface="Nyala"/>
-        <a:font script="Beng" typeface="Vrinda"/>
-        <a:font script="Gujr" typeface="Shruti"/>
-        <a:font script="Khmr" typeface="MoolBoran"/>
-        <a:font script="Knda" typeface="Tunga"/>
-        <a:font script="Guru" typeface="Raavi"/>
-        <a:font script="Cans" typeface="Euphemia"/>
-        <a:font script="Cher" typeface="Plantagenet Cherokee"/>
-        <a:font script="Yiii" typeface="Microsoft Yi Baiti"/>
-        <a:font script="Tibt" typeface="Microsoft Himalaya"/>
-        <a:font script="Thaa" typeface="MV Boli"/>
-        <a:font script="Deva" typeface="Mangal"/>
-        <a:font script="Telu" typeface="Gautami"/>
-        <a:font script="Taml" typeface="Latha"/>
-        <a:font script="Syrc" typeface="Estrangelo Edessa"/>
-        <a:font script="Orya" typeface="Kalinga"/>
-        <a:font script="Mlym" typeface="Kartika"/>
-        <a:font script="Laoo" typeface="DokChampa"/>
-        <a:font script="Sinh" typeface="Iskoola Pota"/>
-        <a:font script="Mong" typeface="Mongolian Baiti"/>
-        <a:font script="Viet" typeface="Times New Roman"/>
-        <a:font script="Uigh" typeface="Microsoft Uighur"/>
-        <a:font script="Geor" typeface="Sylfaen"/>
-      </a:majorFont>
-      <a:minorFont>
-        <a:latin typeface="Arial"/>
-        <a:ea typeface=""/>
-        <a:cs typeface=""/>
-        <a:font script="Jpan" typeface="ＭＳ Ｐゴシック"/>
-        <a:font script="Hang" typeface="맑은 고딕"/>
-        <a:font script="Hans" typeface="宋体"/>
-        <a:font script="Hant" typeface="新細明體"/>
-        <a:font script="Arab" typeface="Arial"/>
-        <a:font script="Hebr" typeface="Arial"/>
-        <a:font script="Thai" typeface="Cordia New"/>
-        <a:font script="Ethi" typeface="Nyala"/>
-        <a:font script="Beng" typeface="Vrinda"/>
-        <a:font script="Gujr" typeface="Shruti"/>
-        <a:font script="Khmr" typeface="DaunPenh"/>
-        <a:font script="Knda" typeface="Tunga"/>
-        <a:font script="Guru" typeface="Raavi"/>
-        <a:font script="Cans" typeface="Euphemia"/>
-        <a:font script="Cher" typeface="Plantagenet Cherokee"/>
-        <a:font script="Yiii" typeface="Microsoft Yi Baiti"/>
-        <a:font script="Tibt" typeface="Microsoft Himalaya"/>
-        <a:font script="Thaa" typeface="MV Boli"/>
-        <a:font script="Deva" typeface="Mangal"/>
-        <a:font script="Telu" typeface="Gautami"/>
-        <a:font script="Taml" typeface="Latha"/>
-        <a:font script="Syrc" typeface="Estrangelo Edessa"/>
-        <a:font script="Orya" typeface="Kalinga"/>
-        <a:font script="Mlym" typeface="Kartika"/>
-        <a:font script="Laoo" typeface="DokChampa"/>
-        <a:font script="Sinh" typeface="Iskoola Pota"/>
-        <a:font script="Mong" typeface="Mongolian Baiti"/>
-        <a:font script="Viet" typeface="Arial"/>
-        <a:font script="Uigh" typeface="Microsoft Uighur"/>
-        <a:font script="Geor" typeface="Sylfaen"/>
-      </a:minorFont>
-    </a:fontScheme>
-    <a:fmtScheme name="Office">
-      <a:fillStyleLst>
-        <a:solidFill>
-          <a:schemeClr val="phClr"/>
-        </a:solidFill>
-        <a:gradFill rotWithShape="1">
-          <a:gsLst>
-            <a:gs pos="0">
-              <a:schemeClr val="phClr">
-                <a:tint val="50000"/>
-                <a:satMod val="300000"/>
-              </a:schemeClr>
-            </a:gs>
-            <a:gs pos="35000">
-              <a:schemeClr val="phClr">
-                <a:tint val="37000"/>
-                <a:satMod val="300000"/>
-              </a:schemeClr>
-            </a:gs>
-            <a:gs pos="100000">
-              <a:schemeClr val="phClr">
-                <a:tint val="15000"/>
-                <a:satMod val="350000"/>
-              </a:schemeClr>
-            </a:gs>
-          </a:gsLst>
-          <a:lin ang="16200000" scaled="1"/>
-        </a:gradFill>
-        <a:gradFill rotWithShape="1">
-          <a:gsLst>
-            <a:gs pos="0">
-              <a:schemeClr val="phClr">
-                <a:tint val="100000"/>
-                <a:shade val="100000"/>
-                <a:satMod val="130000"/>
-              </a:schemeClr>
-            </a:gs>
-            <a:gs pos="100000">
-              <a:schemeClr val="phClr">
-                <a:tint val="50000"/>
-                <a:shade val="100000"/>
-                <a:satMod val="350000"/>
-              </a:schemeClr>
-            </a:gs>
-          </a:gsLst>
-          <a:lin ang="16200000" scaled="0"/>
-        </a:gradFill>
-      </a:fillStyleLst>
-      <a:lnStyleLst>
-        <a:ln w="9525" cap="flat" cmpd="sng" algn="ctr">
-          <a:solidFill>
-            <a:schemeClr val="phClr">
-              <a:shade val="95000"/>
-              <a:satMod val="105000"/>
-            </a:schemeClr>
-          </a:solidFill>
-          <a:prstDash val="solid"/>
-        </a:ln>
-        <a:ln w="25400" cap="flat" cmpd="sng" algn="ctr">
-          <a:solidFill>
-            <a:schemeClr val="phClr"/>
-          </a:solidFill>
-          <a:prstDash val="solid"/>
-        </a:ln>
-        <a:ln w="38100" cap="flat" cmpd="sng" algn="ctr">
-          <a:solidFill>
-            <a:schemeClr val="phClr"/>
-          </a:solidFill>
-          <a:prstDash val="solid"/>
-        </a:ln>
-      </a:lnStyleLst>
-      <a:effectStyleLst>
-        <a:effectStyle>
-          <a:effectLst>
-            <a:outerShdw blurRad="40000" dist="20000" dir="5400000" rotWithShape="0">
-              <a:srgbClr val="000000">
-                <a:alpha val="38000"/>
-              </a:srgbClr>
-            </a:outerShdw>
-          </a:effectLst>
-        </a:effectStyle>
-        <a:effectStyle>
-          <a:effectLst>
-            <a:outerShdw blurRad="40000" dist="23000" dir="5400000" rotWithShape="0">
-              <a:srgbClr val="000000">
-                <a:alpha val="35000"/>
-              </a:srgbClr>
-            </a:outerShdw>
-          </a:effectLst>
-        </a:effectStyle>
-        <a:effectStyle>
-          <a:effectLst>
-            <a:outerShdw blurRad="40000" dist="23000" dir="5400000" rotWithShape="0">
-              <a:srgbClr val="000000">
-                <a:alpha val="35000"/>
-              </a:srgbClr>
-            </a:outerShdw>
-          </a:effectLst>
-          <a:scene3d>
-            <a:camera prst="orthographicFront">
-              <a:rot lat="0" lon="0" rev="0"/>
-            </a:camera>
-            <a:lightRig rig="threePt" dir="t">
-              <a:rot lat="0" lon="0" rev="1200000"/>
-            </a:lightRig>
-          </a:scene3d>
-          <a:sp3d>
-            <a:bevelT w="63500" h="25400"/>
-          </a:sp3d>
-        </a:effectStyle>
-      </a:effectStyleLst>
-      <a:bgFillStyleLst>
-        <a:solidFill>
-          <a:schemeClr val="phClr"/>
-        </a:solidFill>
-        <a:gradFill rotWithShape="1">
-          <a:gsLst>
-            <a:gs pos="0">
-              <a:schemeClr val="phClr">
-                <a:tint val="40000"/>
-                <a:satMod val="350000"/>
-              </a:schemeClr>
-            </a:gs>
-            <a:gs pos="40000">
-              <a:schemeClr val="phClr">
-                <a:tint val="45000"/>
-                <a:shade val="99000"/>
-                <a:satMod val="350000"/>
-              </a:schemeClr>
-            </a:gs>
-            <a:gs pos="100000">
-              <a:schemeClr val="phClr">
-                <a:shade val="20000"/>
-                <a:satMod val="255000"/>
-              </a:schemeClr>
-            </a:gs>
-          </a:gsLst>
-          <a:path path="circle">
-            <a:fillToRect l="50000" t="-80000" r="50000" b="180000"/>
-          </a:path>
-        </a:gradFill>
-        <a:gradFill rotWithShape="1">
-          <a:gsLst>
-            <a:gs pos="0">
-              <a:schemeClr val="phClr">
-                <a:tint val="80000"/>
-                <a:satMod val="300000"/>
-              </a:schemeClr>
-            </a:gs>
-            <a:gs pos="100000">
-              <a:schemeClr val="phClr">
-                <a:shade val="30000"/>
-                <a:satMod val="200000"/>
-              </a:schemeClr>
-            </a:gs>
-          </a:gsLst>
-          <a:path path="circle">
-            <a:fillToRect l="50000" t="50000" r="50000" b="50000"/>
-          </a:path>
-        </a:gradFill>
-      </a:bgFillStyleLst>
-    </a:fmtScheme>
-  </a:themeElements>
-</a:theme>
 </file>